--- a/Organisatorisches/Datengrundlage.pptx
+++ b/Organisatorisches/Datengrundlage.pptx
@@ -7,10 +7,12 @@
   <p:sldIdLst>
     <p:sldId id="256" r:id="rId2"/>
     <p:sldId id="257" r:id="rId3"/>
-    <p:sldId id="260" r:id="rId4"/>
-    <p:sldId id="259" r:id="rId5"/>
-    <p:sldId id="261" r:id="rId6"/>
-    <p:sldId id="263" r:id="rId7"/>
+    <p:sldId id="264" r:id="rId4"/>
+    <p:sldId id="260" r:id="rId5"/>
+    <p:sldId id="265" r:id="rId6"/>
+    <p:sldId id="259" r:id="rId7"/>
+    <p:sldId id="261" r:id="rId8"/>
+    <p:sldId id="266" r:id="rId9"/>
   </p:sldIdLst>
   <p:sldSz cx="12192000" cy="6858000"/>
   <p:notesSz cx="6858000" cy="9144000"/>
@@ -109,7 +111,20 @@
       </a:defRPr>
     </a:lvl9pPr>
   </p:defaultTextStyle>
+  <p:extLst>
+    <p:ext uri="{EFAFB233-063F-42B5-8137-9DF3F51BA10A}">
+      <p15:sldGuideLst xmlns:p15="http://schemas.microsoft.com/office/powerpoint/2012/main"/>
+    </p:ext>
+  </p:extLst>
 </p:presentation>
+</file>
+
+<file path=ppt/revisionInfo.xml><?xml version="1.0" encoding="utf-8"?>
+<p1510:revInfo xmlns:a="http://schemas.openxmlformats.org/drawingml/2006/main" xmlns:r="http://schemas.openxmlformats.org/officeDocument/2006/relationships" xmlns:p1510="http://schemas.microsoft.com/office/powerpoint/2015/10/main">
+  <p1510:revLst>
+    <p1510:client id="{9F6DB4B6-605B-4357-96D2-821DE3477929}" v="17" dt="2020-05-23T08:46:20.629"/>
+  </p1510:revLst>
+</p1510:revInfo>
 </file>
 
 <file path=ppt/changesInfos/changesInfo1.xml><?xml version="1.0" encoding="utf-8"?>
@@ -138,6 +153,319 @@
       </pc:sldChg>
     </pc:docChg>
   </pc:docChgLst>
+  <pc:docChgLst>
+    <pc:chgData name="Lea Vanheyden" userId="0ebe8cb9b4dd81cf" providerId="LiveId" clId="{9F6DB4B6-605B-4357-96D2-821DE3477929}"/>
+    <pc:docChg chg="custSel addSld delSld modSld sldOrd">
+      <pc:chgData name="Lea Vanheyden" userId="0ebe8cb9b4dd81cf" providerId="LiveId" clId="{9F6DB4B6-605B-4357-96D2-821DE3477929}" dt="2020-05-23T08:46:35.698" v="63" actId="2696"/>
+      <pc:docMkLst>
+        <pc:docMk/>
+      </pc:docMkLst>
+      <pc:sldChg chg="addSp delSp modSp">
+        <pc:chgData name="Lea Vanheyden" userId="0ebe8cb9b4dd81cf" providerId="LiveId" clId="{9F6DB4B6-605B-4357-96D2-821DE3477929}" dt="2020-05-23T08:42:05.547" v="48" actId="962"/>
+        <pc:sldMkLst>
+          <pc:docMk/>
+          <pc:sldMk cId="3597752202" sldId="259"/>
+        </pc:sldMkLst>
+        <pc:spChg chg="del">
+          <ac:chgData name="Lea Vanheyden" userId="0ebe8cb9b4dd81cf" providerId="LiveId" clId="{9F6DB4B6-605B-4357-96D2-821DE3477929}" dt="2020-05-23T08:41:07.209" v="38" actId="478"/>
+          <ac:spMkLst>
+            <pc:docMk/>
+            <pc:sldMk cId="3597752202" sldId="259"/>
+            <ac:spMk id="2" creationId="{6F0670A5-1E7E-4E2C-A794-6647555BF537}"/>
+          </ac:spMkLst>
+        </pc:spChg>
+        <pc:spChg chg="del">
+          <ac:chgData name="Lea Vanheyden" userId="0ebe8cb9b4dd81cf" providerId="LiveId" clId="{9F6DB4B6-605B-4357-96D2-821DE3477929}" dt="2020-05-23T08:41:11" v="39" actId="478"/>
+          <ac:spMkLst>
+            <pc:docMk/>
+            <pc:sldMk cId="3597752202" sldId="259"/>
+            <ac:spMk id="4" creationId="{98C32461-39FA-423C-B9A6-2003E74B40A2}"/>
+          </ac:spMkLst>
+        </pc:spChg>
+        <pc:spChg chg="add del mod">
+          <ac:chgData name="Lea Vanheyden" userId="0ebe8cb9b4dd81cf" providerId="LiveId" clId="{9F6DB4B6-605B-4357-96D2-821DE3477929}" dt="2020-05-23T08:41:15.629" v="40" actId="478"/>
+          <ac:spMkLst>
+            <pc:docMk/>
+            <pc:sldMk cId="3597752202" sldId="259"/>
+            <ac:spMk id="5" creationId="{592BCC0E-5667-4E20-A7F4-EB7540E04EEA}"/>
+          </ac:spMkLst>
+        </pc:spChg>
+        <pc:spChg chg="add del mod">
+          <ac:chgData name="Lea Vanheyden" userId="0ebe8cb9b4dd81cf" providerId="LiveId" clId="{9F6DB4B6-605B-4357-96D2-821DE3477929}" dt="2020-05-23T08:41:20.426" v="41" actId="478"/>
+          <ac:spMkLst>
+            <pc:docMk/>
+            <pc:sldMk cId="3597752202" sldId="259"/>
+            <ac:spMk id="7" creationId="{35B234C5-37E0-4850-8D8F-B22A3D920C6F}"/>
+          </ac:spMkLst>
+        </pc:spChg>
+        <pc:spChg chg="add del mod">
+          <ac:chgData name="Lea Vanheyden" userId="0ebe8cb9b4dd81cf" providerId="LiveId" clId="{9F6DB4B6-605B-4357-96D2-821DE3477929}" dt="2020-05-23T08:41:38.099" v="43" actId="931"/>
+          <ac:spMkLst>
+            <pc:docMk/>
+            <pc:sldMk cId="3597752202" sldId="259"/>
+            <ac:spMk id="9" creationId="{864C93A7-F889-4AC1-BFE2-92C68CBC4499}"/>
+          </ac:spMkLst>
+        </pc:spChg>
+        <pc:spChg chg="add del mod">
+          <ac:chgData name="Lea Vanheyden" userId="0ebe8cb9b4dd81cf" providerId="LiveId" clId="{9F6DB4B6-605B-4357-96D2-821DE3477929}" dt="2020-05-23T08:41:47.028" v="45" actId="478"/>
+          <ac:spMkLst>
+            <pc:docMk/>
+            <pc:sldMk cId="3597752202" sldId="259"/>
+            <ac:spMk id="14" creationId="{5A661ACD-1469-46F6-A0C4-8B7022F11872}"/>
+          </ac:spMkLst>
+        </pc:spChg>
+        <pc:picChg chg="del">
+          <ac:chgData name="Lea Vanheyden" userId="0ebe8cb9b4dd81cf" providerId="LiveId" clId="{9F6DB4B6-605B-4357-96D2-821DE3477929}" dt="2020-05-23T08:41:25.710" v="42" actId="478"/>
+          <ac:picMkLst>
+            <pc:docMk/>
+            <pc:sldMk cId="3597752202" sldId="259"/>
+            <ac:picMk id="10" creationId="{7FF8B75B-604E-4B56-8DE5-A333DC07D972}"/>
+          </ac:picMkLst>
+        </pc:picChg>
+        <pc:picChg chg="add del mod">
+          <ac:chgData name="Lea Vanheyden" userId="0ebe8cb9b4dd81cf" providerId="LiveId" clId="{9F6DB4B6-605B-4357-96D2-821DE3477929}" dt="2020-05-23T08:41:41.531" v="44" actId="478"/>
+          <ac:picMkLst>
+            <pc:docMk/>
+            <pc:sldMk cId="3597752202" sldId="259"/>
+            <ac:picMk id="12" creationId="{2F7FEE7A-57E9-42A0-A66D-F017DB77DA16}"/>
+          </ac:picMkLst>
+        </pc:picChg>
+        <pc:picChg chg="add mod">
+          <ac:chgData name="Lea Vanheyden" userId="0ebe8cb9b4dd81cf" providerId="LiveId" clId="{9F6DB4B6-605B-4357-96D2-821DE3477929}" dt="2020-05-23T08:42:05.547" v="48" actId="962"/>
+          <ac:picMkLst>
+            <pc:docMk/>
+            <pc:sldMk cId="3597752202" sldId="259"/>
+            <ac:picMk id="16" creationId="{F04BD14C-1AD1-4E62-A791-5D0F3FF3BB09}"/>
+          </ac:picMkLst>
+        </pc:picChg>
+      </pc:sldChg>
+      <pc:sldChg chg="addSp delSp modSp">
+        <pc:chgData name="Lea Vanheyden" userId="0ebe8cb9b4dd81cf" providerId="LiveId" clId="{9F6DB4B6-605B-4357-96D2-821DE3477929}" dt="2020-05-23T08:40:03.314" v="23" actId="962"/>
+        <pc:sldMkLst>
+          <pc:docMk/>
+          <pc:sldMk cId="3057999799" sldId="260"/>
+        </pc:sldMkLst>
+        <pc:spChg chg="mod">
+          <ac:chgData name="Lea Vanheyden" userId="0ebe8cb9b4dd81cf" providerId="LiveId" clId="{9F6DB4B6-605B-4357-96D2-821DE3477929}" dt="2020-05-23T08:39:16.108" v="4" actId="6549"/>
+          <ac:spMkLst>
+            <pc:docMk/>
+            <pc:sldMk cId="3057999799" sldId="260"/>
+            <ac:spMk id="2" creationId="{6F0670A5-1E7E-4E2C-A794-6647555BF537}"/>
+          </ac:spMkLst>
+        </pc:spChg>
+        <pc:spChg chg="mod">
+          <ac:chgData name="Lea Vanheyden" userId="0ebe8cb9b4dd81cf" providerId="LiveId" clId="{9F6DB4B6-605B-4357-96D2-821DE3477929}" dt="2020-05-23T08:39:03.968" v="1"/>
+          <ac:spMkLst>
+            <pc:docMk/>
+            <pc:sldMk cId="3057999799" sldId="260"/>
+            <ac:spMk id="4" creationId="{98C32461-39FA-423C-B9A6-2003E74B40A2}"/>
+          </ac:spMkLst>
+        </pc:spChg>
+        <pc:picChg chg="add mod">
+          <ac:chgData name="Lea Vanheyden" userId="0ebe8cb9b4dd81cf" providerId="LiveId" clId="{9F6DB4B6-605B-4357-96D2-821DE3477929}" dt="2020-05-23T08:40:03.314" v="23" actId="962"/>
+          <ac:picMkLst>
+            <pc:docMk/>
+            <pc:sldMk cId="3057999799" sldId="260"/>
+            <ac:picMk id="5" creationId="{0E229B32-9FAC-48A3-8BD2-70709AE20002}"/>
+          </ac:picMkLst>
+        </pc:picChg>
+        <pc:picChg chg="del">
+          <ac:chgData name="Lea Vanheyden" userId="0ebe8cb9b4dd81cf" providerId="LiveId" clId="{9F6DB4B6-605B-4357-96D2-821DE3477929}" dt="2020-05-23T08:39:18.219" v="5" actId="478"/>
+          <ac:picMkLst>
+            <pc:docMk/>
+            <pc:sldMk cId="3057999799" sldId="260"/>
+            <ac:picMk id="7" creationId="{A246F469-9382-46D7-BE3F-9FC8DE26EFE7}"/>
+          </ac:picMkLst>
+        </pc:picChg>
+      </pc:sldChg>
+      <pc:sldChg chg="addSp delSp modSp">
+        <pc:chgData name="Lea Vanheyden" userId="0ebe8cb9b4dd81cf" providerId="LiveId" clId="{9F6DB4B6-605B-4357-96D2-821DE3477929}" dt="2020-05-23T08:43:59.237" v="55" actId="931"/>
+        <pc:sldMkLst>
+          <pc:docMk/>
+          <pc:sldMk cId="887324719" sldId="261"/>
+        </pc:sldMkLst>
+        <pc:spChg chg="del">
+          <ac:chgData name="Lea Vanheyden" userId="0ebe8cb9b4dd81cf" providerId="LiveId" clId="{9F6DB4B6-605B-4357-96D2-821DE3477929}" dt="2020-05-23T08:43:31.376" v="49" actId="478"/>
+          <ac:spMkLst>
+            <pc:docMk/>
+            <pc:sldMk cId="887324719" sldId="261"/>
+            <ac:spMk id="2" creationId="{6F0670A5-1E7E-4E2C-A794-6647555BF537}"/>
+          </ac:spMkLst>
+        </pc:spChg>
+        <pc:spChg chg="del">
+          <ac:chgData name="Lea Vanheyden" userId="0ebe8cb9b4dd81cf" providerId="LiveId" clId="{9F6DB4B6-605B-4357-96D2-821DE3477929}" dt="2020-05-23T08:43:35.013" v="50" actId="478"/>
+          <ac:spMkLst>
+            <pc:docMk/>
+            <pc:sldMk cId="887324719" sldId="261"/>
+            <ac:spMk id="4" creationId="{98C32461-39FA-423C-B9A6-2003E74B40A2}"/>
+          </ac:spMkLst>
+        </pc:spChg>
+        <pc:spChg chg="add del mod">
+          <ac:chgData name="Lea Vanheyden" userId="0ebe8cb9b4dd81cf" providerId="LiveId" clId="{9F6DB4B6-605B-4357-96D2-821DE3477929}" dt="2020-05-23T08:43:42.127" v="52" actId="478"/>
+          <ac:spMkLst>
+            <pc:docMk/>
+            <pc:sldMk cId="887324719" sldId="261"/>
+            <ac:spMk id="5" creationId="{68D37FC7-D79C-47D3-B5F3-187B053084CA}"/>
+          </ac:spMkLst>
+        </pc:spChg>
+        <pc:spChg chg="add del mod">
+          <ac:chgData name="Lea Vanheyden" userId="0ebe8cb9b4dd81cf" providerId="LiveId" clId="{9F6DB4B6-605B-4357-96D2-821DE3477929}" dt="2020-05-23T08:43:38.243" v="51" actId="478"/>
+          <ac:spMkLst>
+            <pc:docMk/>
+            <pc:sldMk cId="887324719" sldId="261"/>
+            <ac:spMk id="8" creationId="{35F3E94F-775C-4F21-AF22-C08464561942}"/>
+          </ac:spMkLst>
+        </pc:spChg>
+        <pc:spChg chg="add del mod">
+          <ac:chgData name="Lea Vanheyden" userId="0ebe8cb9b4dd81cf" providerId="LiveId" clId="{9F6DB4B6-605B-4357-96D2-821DE3477929}" dt="2020-05-23T08:43:48.855" v="54" actId="478"/>
+          <ac:spMkLst>
+            <pc:docMk/>
+            <pc:sldMk cId="887324719" sldId="261"/>
+            <ac:spMk id="10" creationId="{4AF928F7-2100-4734-9762-2D8B06CBA078}"/>
+          </ac:spMkLst>
+        </pc:spChg>
+        <pc:picChg chg="del">
+          <ac:chgData name="Lea Vanheyden" userId="0ebe8cb9b4dd81cf" providerId="LiveId" clId="{9F6DB4B6-605B-4357-96D2-821DE3477929}" dt="2020-05-23T08:43:45.562" v="53" actId="478"/>
+          <ac:picMkLst>
+            <pc:docMk/>
+            <pc:sldMk cId="887324719" sldId="261"/>
+            <ac:picMk id="7" creationId="{22899ABC-9D63-47F8-B098-7D31BD6552CC}"/>
+          </ac:picMkLst>
+        </pc:picChg>
+        <pc:picChg chg="add mod">
+          <ac:chgData name="Lea Vanheyden" userId="0ebe8cb9b4dd81cf" providerId="LiveId" clId="{9F6DB4B6-605B-4357-96D2-821DE3477929}" dt="2020-05-23T08:43:59.237" v="55" actId="931"/>
+          <ac:picMkLst>
+            <pc:docMk/>
+            <pc:sldMk cId="887324719" sldId="261"/>
+            <ac:picMk id="12" creationId="{27E68DC5-C917-4AD2-871B-A0A7F247C61F}"/>
+          </ac:picMkLst>
+        </pc:picChg>
+      </pc:sldChg>
+      <pc:sldChg chg="del">
+        <pc:chgData name="Lea Vanheyden" userId="0ebe8cb9b4dd81cf" providerId="LiveId" clId="{9F6DB4B6-605B-4357-96D2-821DE3477929}" dt="2020-05-23T08:46:35.698" v="63" actId="2696"/>
+        <pc:sldMkLst>
+          <pc:docMk/>
+          <pc:sldMk cId="1863664013" sldId="263"/>
+        </pc:sldMkLst>
+      </pc:sldChg>
+      <pc:sldChg chg="addSp modSp add ord">
+        <pc:chgData name="Lea Vanheyden" userId="0ebe8cb9b4dd81cf" providerId="LiveId" clId="{9F6DB4B6-605B-4357-96D2-821DE3477929}" dt="2020-05-23T08:39:27.016" v="20" actId="20577"/>
+        <pc:sldMkLst>
+          <pc:docMk/>
+          <pc:sldMk cId="1256351431" sldId="264"/>
+        </pc:sldMkLst>
+        <pc:spChg chg="mod">
+          <ac:chgData name="Lea Vanheyden" userId="0ebe8cb9b4dd81cf" providerId="LiveId" clId="{9F6DB4B6-605B-4357-96D2-821DE3477929}" dt="2020-05-23T08:39:27.016" v="20" actId="20577"/>
+          <ac:spMkLst>
+            <pc:docMk/>
+            <pc:sldMk cId="1256351431" sldId="264"/>
+            <ac:spMk id="2" creationId="{AD55D440-B474-4597-AF4E-01539E17FB9E}"/>
+          </ac:spMkLst>
+        </pc:spChg>
+        <pc:spChg chg="add">
+          <ac:chgData name="Lea Vanheyden" userId="0ebe8cb9b4dd81cf" providerId="LiveId" clId="{9F6DB4B6-605B-4357-96D2-821DE3477929}" dt="2020-05-23T08:39:07.877" v="2"/>
+          <ac:spMkLst>
+            <pc:docMk/>
+            <pc:sldMk cId="1256351431" sldId="264"/>
+            <ac:spMk id="5" creationId="{358D864D-3D31-4C89-AA9F-30641EC6CC24}"/>
+          </ac:spMkLst>
+        </pc:spChg>
+      </pc:sldChg>
+      <pc:sldChg chg="addSp delSp modSp add ord">
+        <pc:chgData name="Lea Vanheyden" userId="0ebe8cb9b4dd81cf" providerId="LiveId" clId="{9F6DB4B6-605B-4357-96D2-821DE3477929}" dt="2020-05-23T08:40:53.452" v="37" actId="962"/>
+        <pc:sldMkLst>
+          <pc:docMk/>
+          <pc:sldMk cId="138672569" sldId="265"/>
+        </pc:sldMkLst>
+        <pc:spChg chg="del">
+          <ac:chgData name="Lea Vanheyden" userId="0ebe8cb9b4dd81cf" providerId="LiveId" clId="{9F6DB4B6-605B-4357-96D2-821DE3477929}" dt="2020-05-23T08:40:38.802" v="32" actId="478"/>
+          <ac:spMkLst>
+            <pc:docMk/>
+            <pc:sldMk cId="138672569" sldId="265"/>
+            <ac:spMk id="2" creationId="{58828DD7-A21F-461D-803C-91FD78BF47D3}"/>
+          </ac:spMkLst>
+        </pc:spChg>
+        <pc:spChg chg="del">
+          <ac:chgData name="Lea Vanheyden" userId="0ebe8cb9b4dd81cf" providerId="LiveId" clId="{9F6DB4B6-605B-4357-96D2-821DE3477929}" dt="2020-05-23T08:40:43.446" v="34" actId="478"/>
+          <ac:spMkLst>
+            <pc:docMk/>
+            <pc:sldMk cId="138672569" sldId="265"/>
+            <ac:spMk id="3" creationId="{2CDC2ED2-0FD7-452C-8B3B-7BBEF07C7643}"/>
+          </ac:spMkLst>
+        </pc:spChg>
+        <pc:spChg chg="del">
+          <ac:chgData name="Lea Vanheyden" userId="0ebe8cb9b4dd81cf" providerId="LiveId" clId="{9F6DB4B6-605B-4357-96D2-821DE3477929}" dt="2020-05-23T08:40:41.128" v="33" actId="478"/>
+          <ac:spMkLst>
+            <pc:docMk/>
+            <pc:sldMk cId="138672569" sldId="265"/>
+            <ac:spMk id="4" creationId="{576F36D1-32C9-4C27-9C26-0F70873844BC}"/>
+          </ac:spMkLst>
+        </pc:spChg>
+        <pc:picChg chg="add mod">
+          <ac:chgData name="Lea Vanheyden" userId="0ebe8cb9b4dd81cf" providerId="LiveId" clId="{9F6DB4B6-605B-4357-96D2-821DE3477929}" dt="2020-05-23T08:40:53.452" v="37" actId="962"/>
+          <ac:picMkLst>
+            <pc:docMk/>
+            <pc:sldMk cId="138672569" sldId="265"/>
+            <ac:picMk id="6" creationId="{020D799F-FDEC-4708-924B-187657405B02}"/>
+          </ac:picMkLst>
+        </pc:picChg>
+      </pc:sldChg>
+      <pc:sldChg chg="addSp delSp modSp add del">
+        <pc:chgData name="Lea Vanheyden" userId="0ebe8cb9b4dd81cf" providerId="LiveId" clId="{9F6DB4B6-605B-4357-96D2-821DE3477929}" dt="2020-05-23T08:40:29.085" v="29" actId="2696"/>
+        <pc:sldMkLst>
+          <pc:docMk/>
+          <pc:sldMk cId="1248681574" sldId="265"/>
+        </pc:sldMkLst>
+        <pc:spChg chg="del">
+          <ac:chgData name="Lea Vanheyden" userId="0ebe8cb9b4dd81cf" providerId="LiveId" clId="{9F6DB4B6-605B-4357-96D2-821DE3477929}" dt="2020-05-23T08:40:19.937" v="25" actId="931"/>
+          <ac:spMkLst>
+            <pc:docMk/>
+            <pc:sldMk cId="1248681574" sldId="265"/>
+            <ac:spMk id="3" creationId="{F546DAE6-B04A-43EF-854B-D0B6D8C28941}"/>
+          </ac:spMkLst>
+        </pc:spChg>
+        <pc:picChg chg="add mod">
+          <ac:chgData name="Lea Vanheyden" userId="0ebe8cb9b4dd81cf" providerId="LiveId" clId="{9F6DB4B6-605B-4357-96D2-821DE3477929}" dt="2020-05-23T08:40:22.226" v="28" actId="962"/>
+          <ac:picMkLst>
+            <pc:docMk/>
+            <pc:sldMk cId="1248681574" sldId="265"/>
+            <ac:picMk id="6" creationId="{90959514-7165-4947-822D-F2EF129F884E}"/>
+          </ac:picMkLst>
+        </pc:picChg>
+      </pc:sldChg>
+      <pc:sldChg chg="addSp delSp modSp add">
+        <pc:chgData name="Lea Vanheyden" userId="0ebe8cb9b4dd81cf" providerId="LiveId" clId="{9F6DB4B6-605B-4357-96D2-821DE3477929}" dt="2020-05-23T08:46:20.629" v="62" actId="931"/>
+        <pc:sldMkLst>
+          <pc:docMk/>
+          <pc:sldMk cId="2806288448" sldId="266"/>
+        </pc:sldMkLst>
+        <pc:picChg chg="add del mod">
+          <ac:chgData name="Lea Vanheyden" userId="0ebe8cb9b4dd81cf" providerId="LiveId" clId="{9F6DB4B6-605B-4357-96D2-821DE3477929}" dt="2020-05-23T08:44:50.644" v="59" actId="478"/>
+          <ac:picMkLst>
+            <pc:docMk/>
+            <pc:sldMk cId="2806288448" sldId="266"/>
+            <ac:picMk id="3" creationId="{0A37CE49-CB99-4762-8D2D-1414AC8F0C6E}"/>
+          </ac:picMkLst>
+        </pc:picChg>
+        <pc:picChg chg="add del mod">
+          <ac:chgData name="Lea Vanheyden" userId="0ebe8cb9b4dd81cf" providerId="LiveId" clId="{9F6DB4B6-605B-4357-96D2-821DE3477929}" dt="2020-05-23T08:45:17.242" v="61" actId="478"/>
+          <ac:picMkLst>
+            <pc:docMk/>
+            <pc:sldMk cId="2806288448" sldId="266"/>
+            <ac:picMk id="5" creationId="{D1F82400-B035-44D8-939F-730ACFB9E42D}"/>
+          </ac:picMkLst>
+        </pc:picChg>
+        <pc:picChg chg="add mod">
+          <ac:chgData name="Lea Vanheyden" userId="0ebe8cb9b4dd81cf" providerId="LiveId" clId="{9F6DB4B6-605B-4357-96D2-821DE3477929}" dt="2020-05-23T08:46:20.629" v="62" actId="931"/>
+          <ac:picMkLst>
+            <pc:docMk/>
+            <pc:sldMk cId="2806288448" sldId="266"/>
+            <ac:picMk id="7" creationId="{204EBCBF-93D1-406E-B11C-6E0AD59116BC}"/>
+          </ac:picMkLst>
+        </pc:picChg>
+      </pc:sldChg>
+    </pc:docChg>
+  </pc:docChgLst>
 </pc:chgInfo>
 </file>
 
@@ -288,7 +616,7 @@
           <a:p>
             <a:fld id="{5ABE7F33-3432-4CFD-9605-D90D92EF5B4B}" type="datetimeFigureOut">
               <a:rPr lang="de-DE" smtClean="0"/>
-              <a:t>05.05.2020</a:t>
+              <a:t>23.05.2020</a:t>
             </a:fld>
             <a:endParaRPr lang="de-DE"/>
           </a:p>
@@ -486,7 +814,7 @@
           <a:p>
             <a:fld id="{5ABE7F33-3432-4CFD-9605-D90D92EF5B4B}" type="datetimeFigureOut">
               <a:rPr lang="de-DE" smtClean="0"/>
-              <a:t>05.05.2020</a:t>
+              <a:t>23.05.2020</a:t>
             </a:fld>
             <a:endParaRPr lang="de-DE"/>
           </a:p>
@@ -694,7 +1022,7 @@
           <a:p>
             <a:fld id="{5ABE7F33-3432-4CFD-9605-D90D92EF5B4B}" type="datetimeFigureOut">
               <a:rPr lang="de-DE" smtClean="0"/>
-              <a:t>05.05.2020</a:t>
+              <a:t>23.05.2020</a:t>
             </a:fld>
             <a:endParaRPr lang="de-DE"/>
           </a:p>
@@ -892,7 +1220,7 @@
           <a:p>
             <a:fld id="{5ABE7F33-3432-4CFD-9605-D90D92EF5B4B}" type="datetimeFigureOut">
               <a:rPr lang="de-DE" smtClean="0"/>
-              <a:t>05.05.2020</a:t>
+              <a:t>23.05.2020</a:t>
             </a:fld>
             <a:endParaRPr lang="de-DE"/>
           </a:p>
@@ -1167,7 +1495,7 @@
           <a:p>
             <a:fld id="{5ABE7F33-3432-4CFD-9605-D90D92EF5B4B}" type="datetimeFigureOut">
               <a:rPr lang="de-DE" smtClean="0"/>
-              <a:t>05.05.2020</a:t>
+              <a:t>23.05.2020</a:t>
             </a:fld>
             <a:endParaRPr lang="de-DE"/>
           </a:p>
@@ -1432,7 +1760,7 @@
           <a:p>
             <a:fld id="{5ABE7F33-3432-4CFD-9605-D90D92EF5B4B}" type="datetimeFigureOut">
               <a:rPr lang="de-DE" smtClean="0"/>
-              <a:t>05.05.2020</a:t>
+              <a:t>23.05.2020</a:t>
             </a:fld>
             <a:endParaRPr lang="de-DE"/>
           </a:p>
@@ -1844,7 +2172,7 @@
           <a:p>
             <a:fld id="{5ABE7F33-3432-4CFD-9605-D90D92EF5B4B}" type="datetimeFigureOut">
               <a:rPr lang="de-DE" smtClean="0"/>
-              <a:t>05.05.2020</a:t>
+              <a:t>23.05.2020</a:t>
             </a:fld>
             <a:endParaRPr lang="de-DE"/>
           </a:p>
@@ -1985,7 +2313,7 @@
           <a:p>
             <a:fld id="{5ABE7F33-3432-4CFD-9605-D90D92EF5B4B}" type="datetimeFigureOut">
               <a:rPr lang="de-DE" smtClean="0"/>
-              <a:t>05.05.2020</a:t>
+              <a:t>23.05.2020</a:t>
             </a:fld>
             <a:endParaRPr lang="de-DE"/>
           </a:p>
@@ -2098,7 +2426,7 @@
           <a:p>
             <a:fld id="{5ABE7F33-3432-4CFD-9605-D90D92EF5B4B}" type="datetimeFigureOut">
               <a:rPr lang="de-DE" smtClean="0"/>
-              <a:t>05.05.2020</a:t>
+              <a:t>23.05.2020</a:t>
             </a:fld>
             <a:endParaRPr lang="de-DE"/>
           </a:p>
@@ -2409,7 +2737,7 @@
           <a:p>
             <a:fld id="{5ABE7F33-3432-4CFD-9605-D90D92EF5B4B}" type="datetimeFigureOut">
               <a:rPr lang="de-DE" smtClean="0"/>
-              <a:t>05.05.2020</a:t>
+              <a:t>23.05.2020</a:t>
             </a:fld>
             <a:endParaRPr lang="de-DE"/>
           </a:p>
@@ -2697,7 +3025,7 @@
           <a:p>
             <a:fld id="{5ABE7F33-3432-4CFD-9605-D90D92EF5B4B}" type="datetimeFigureOut">
               <a:rPr lang="de-DE" smtClean="0"/>
-              <a:t>05.05.2020</a:t>
+              <a:t>23.05.2020</a:t>
             </a:fld>
             <a:endParaRPr lang="de-DE"/>
           </a:p>
@@ -2938,7 +3266,7 @@
           <a:p>
             <a:fld id="{5ABE7F33-3432-4CFD-9605-D90D92EF5B4B}" type="datetimeFigureOut">
               <a:rPr lang="de-DE" smtClean="0"/>
-              <a:t>05.05.2020</a:t>
+              <a:t>23.05.2020</a:t>
             </a:fld>
             <a:endParaRPr lang="de-DE"/>
           </a:p>
@@ -3545,7 +3873,7 @@
           <p:cNvPr id="2" name="Titel 1">
             <a:extLst>
               <a:ext uri="{FF2B5EF4-FFF2-40B4-BE49-F238E27FC236}">
-                <a16:creationId xmlns:a16="http://schemas.microsoft.com/office/drawing/2014/main" id="{6F0670A5-1E7E-4E2C-A794-6647555BF537}"/>
+                <a16:creationId xmlns:a16="http://schemas.microsoft.com/office/drawing/2014/main" id="{AD55D440-B474-4597-AF4E-01539E17FB9E}"/>
               </a:ext>
             </a:extLst>
           </p:cNvPr>
@@ -3563,17 +3891,35 @@
           <a:p>
             <a:r>
               <a:rPr lang="de-DE" dirty="0"/>
-              <a:t>Unsere Variablen</a:t>
-            </a:r>
-          </a:p>
-        </p:txBody>
+              <a:t>Variablenfolie</a:t>
+            </a:r>
+          </a:p>
+        </p:txBody>
+      </p:sp>
+      <p:sp>
+        <p:nvSpPr>
+          <p:cNvPr id="3" name="Bildplatzhalter 2">
+            <a:extLst>
+              <a:ext uri="{FF2B5EF4-FFF2-40B4-BE49-F238E27FC236}">
+                <a16:creationId xmlns:a16="http://schemas.microsoft.com/office/drawing/2014/main" id="{E691FC19-F1DA-4118-A8DC-577D1BC5465A}"/>
+              </a:ext>
+            </a:extLst>
+          </p:cNvPr>
+          <p:cNvSpPr>
+            <a:spLocks noGrp="1"/>
+          </p:cNvSpPr>
+          <p:nvPr>
+            <p:ph type="pic" idx="1"/>
+          </p:nvPr>
+        </p:nvSpPr>
+        <p:spPr/>
       </p:sp>
       <p:sp>
         <p:nvSpPr>
           <p:cNvPr id="4" name="Textplatzhalter 3">
             <a:extLst>
               <a:ext uri="{FF2B5EF4-FFF2-40B4-BE49-F238E27FC236}">
-                <a16:creationId xmlns:a16="http://schemas.microsoft.com/office/drawing/2014/main" id="{98C32461-39FA-423C-B9A6-2003E74B40A2}"/>
+                <a16:creationId xmlns:a16="http://schemas.microsoft.com/office/drawing/2014/main" id="{5EBB1B10-2DD3-4A8A-9861-96230EA1361A}"/>
               </a:ext>
             </a:extLst>
           </p:cNvPr>
@@ -3589,126 +3935,122 @@
           <a:bodyPr/>
           <a:lstStyle/>
           <a:p>
-            <a:pPr marL="285750" indent="-285750">
-              <a:buFont typeface="Symbol" panose="05050102010706020507" pitchFamily="18" charset="2"/>
-              <a:buChar char="-"/>
-            </a:pPr>
-            <a:r>
-              <a:rPr lang="de-DE" dirty="0"/>
-              <a:t>Datum</a:t>
-            </a:r>
-          </a:p>
-          <a:p>
-            <a:pPr marL="285750" indent="-285750">
-              <a:buFont typeface="Symbol" panose="05050102010706020507" pitchFamily="18" charset="2"/>
-              <a:buChar char="-"/>
-            </a:pPr>
-            <a:r>
-              <a:rPr lang="de-DE" dirty="0"/>
-              <a:t>Tag der Woche</a:t>
-            </a:r>
-          </a:p>
-          <a:p>
-            <a:pPr marL="285750" indent="-285750">
-              <a:buFont typeface="Symbol" panose="05050102010706020507" pitchFamily="18" charset="2"/>
-              <a:buChar char="-"/>
-            </a:pPr>
-            <a:r>
-              <a:rPr lang="de-DE" dirty="0"/>
-              <a:t>Feiertag?</a:t>
-            </a:r>
-          </a:p>
-          <a:p>
-            <a:pPr marL="285750" indent="-285750">
-              <a:buFont typeface="Symbol" panose="05050102010706020507" pitchFamily="18" charset="2"/>
-              <a:buChar char="-"/>
-            </a:pPr>
-            <a:r>
-              <a:rPr lang="de-DE" dirty="0"/>
-              <a:t>Schneehöhe (in cm)</a:t>
-            </a:r>
-          </a:p>
-          <a:p>
-            <a:pPr marL="285750" indent="-285750">
-              <a:buFont typeface="Symbol" panose="05050102010706020507" pitchFamily="18" charset="2"/>
-              <a:buChar char="-"/>
-            </a:pPr>
-            <a:r>
-              <a:rPr lang="de-DE" dirty="0"/>
-              <a:t>Temperatur (in °C)</a:t>
-            </a:r>
-          </a:p>
-          <a:p>
-            <a:pPr marL="285750" indent="-285750">
-              <a:buFont typeface="Symbol" panose="05050102010706020507" pitchFamily="18" charset="2"/>
-              <a:buChar char="-"/>
-            </a:pPr>
-            <a:r>
-              <a:rPr lang="de-DE" dirty="0"/>
-              <a:t>Sonneneinstrahlung (in W/m²)</a:t>
-            </a:r>
-          </a:p>
-          <a:p>
-            <a:pPr marL="285750" indent="-285750">
-              <a:buFont typeface="Symbol" panose="05050102010706020507" pitchFamily="18" charset="2"/>
-              <a:buChar char="-"/>
-            </a:pPr>
-            <a:r>
-              <a:rPr lang="de-DE" dirty="0"/>
-              <a:t>Lawinenwarnstufe</a:t>
-            </a:r>
-          </a:p>
-          <a:p>
-            <a:pPr marL="285750" indent="-285750">
-              <a:buFont typeface="Symbol" panose="05050102010706020507" pitchFamily="18" charset="2"/>
-              <a:buChar char="-"/>
-            </a:pPr>
-            <a:r>
-              <a:rPr lang="de-DE" dirty="0"/>
-              <a:t>Uhrzeit der Messung</a:t>
-            </a:r>
-          </a:p>
-        </p:txBody>
-      </p:sp>
-      <p:pic>
-        <p:nvPicPr>
-          <p:cNvPr id="7" name="Inhaltsplatzhalter 4" descr="Ein Bild, das Bleistift enthält.&#10;&#10;Automatisch generierte Beschreibung">
-            <a:extLst>
-              <a:ext uri="{FF2B5EF4-FFF2-40B4-BE49-F238E27FC236}">
-                <a16:creationId xmlns:a16="http://schemas.microsoft.com/office/drawing/2014/main" id="{A246F469-9382-46D7-BE3F-9FC8DE26EFE7}"/>
-              </a:ext>
-            </a:extLst>
-          </p:cNvPr>
-          <p:cNvPicPr>
-            <a:picLocks noChangeAspect="1"/>
-          </p:cNvPicPr>
+            <a:endParaRPr lang="de-DE"/>
+          </a:p>
+        </p:txBody>
+      </p:sp>
+      <p:sp>
+        <p:nvSpPr>
+          <p:cNvPr id="5" name="Rechteck 4">
+            <a:extLst>
+              <a:ext uri="{FF2B5EF4-FFF2-40B4-BE49-F238E27FC236}">
+                <a16:creationId xmlns:a16="http://schemas.microsoft.com/office/drawing/2014/main" id="{358D864D-3D31-4C89-AA9F-30641EC6CC24}"/>
+              </a:ext>
+            </a:extLst>
+          </p:cNvPr>
+          <p:cNvSpPr/>
           <p:nvPr/>
-        </p:nvPicPr>
-        <p:blipFill rotWithShape="1">
-          <a:blip r:embed="rId2">
-            <a:extLst>
-              <a:ext uri="{28A0092B-C50C-407E-A947-70E740481C1C}">
-                <a14:useLocalDpi xmlns:a14="http://schemas.microsoft.com/office/drawing/2010/main" val="0"/>
-              </a:ext>
-            </a:extLst>
-          </a:blip>
-          <a:srcRect t="2252" r="-4" b="1581"/>
-          <a:stretch/>
-        </p:blipFill>
+        </p:nvSpPr>
         <p:spPr>
           <a:xfrm>
-            <a:off x="4158671" y="1518443"/>
-            <a:ext cx="7460981" cy="3811588"/>
+            <a:off x="3048000" y="2274838"/>
+            <a:ext cx="6096000" cy="2308324"/>
           </a:xfrm>
           <a:prstGeom prst="rect">
             <a:avLst/>
           </a:prstGeom>
         </p:spPr>
-      </p:pic>
+        <p:txBody>
+          <a:bodyPr>
+            <a:spAutoFit/>
+          </a:bodyPr>
+          <a:lstStyle/>
+          <a:p>
+            <a:pPr marL="285750" indent="-285750">
+              <a:buFont typeface="Symbol" panose="05050102010706020507" pitchFamily="18" charset="2"/>
+              <a:buChar char="-"/>
+            </a:pPr>
+            <a:r>
+              <a:rPr lang="de-DE" dirty="0"/>
+              <a:t>Datum</a:t>
+            </a:r>
+          </a:p>
+          <a:p>
+            <a:pPr marL="285750" indent="-285750">
+              <a:buFont typeface="Symbol" panose="05050102010706020507" pitchFamily="18" charset="2"/>
+              <a:buChar char="-"/>
+            </a:pPr>
+            <a:r>
+              <a:rPr lang="de-DE" dirty="0"/>
+              <a:t>Tag der Woche</a:t>
+            </a:r>
+          </a:p>
+          <a:p>
+            <a:pPr marL="285750" indent="-285750">
+              <a:buFont typeface="Symbol" panose="05050102010706020507" pitchFamily="18" charset="2"/>
+              <a:buChar char="-"/>
+            </a:pPr>
+            <a:r>
+              <a:rPr lang="de-DE" dirty="0"/>
+              <a:t>Feiertag?</a:t>
+            </a:r>
+          </a:p>
+          <a:p>
+            <a:pPr marL="285750" indent="-285750">
+              <a:buFont typeface="Symbol" panose="05050102010706020507" pitchFamily="18" charset="2"/>
+              <a:buChar char="-"/>
+            </a:pPr>
+            <a:r>
+              <a:rPr lang="de-DE" dirty="0"/>
+              <a:t>Schneehöhe (in cm)</a:t>
+            </a:r>
+          </a:p>
+          <a:p>
+            <a:pPr marL="285750" indent="-285750">
+              <a:buFont typeface="Symbol" panose="05050102010706020507" pitchFamily="18" charset="2"/>
+              <a:buChar char="-"/>
+            </a:pPr>
+            <a:r>
+              <a:rPr lang="de-DE" dirty="0"/>
+              <a:t>Temperatur (in °C)</a:t>
+            </a:r>
+          </a:p>
+          <a:p>
+            <a:pPr marL="285750" indent="-285750">
+              <a:buFont typeface="Symbol" panose="05050102010706020507" pitchFamily="18" charset="2"/>
+              <a:buChar char="-"/>
+            </a:pPr>
+            <a:r>
+              <a:rPr lang="de-DE" dirty="0"/>
+              <a:t>Sonneneinstrahlung (in W/m²)</a:t>
+            </a:r>
+          </a:p>
+          <a:p>
+            <a:pPr marL="285750" indent="-285750">
+              <a:buFont typeface="Symbol" panose="05050102010706020507" pitchFamily="18" charset="2"/>
+              <a:buChar char="-"/>
+            </a:pPr>
+            <a:r>
+              <a:rPr lang="de-DE" dirty="0"/>
+              <a:t>Lawinenwarnstufe</a:t>
+            </a:r>
+          </a:p>
+          <a:p>
+            <a:pPr marL="285750" indent="-285750">
+              <a:buFont typeface="Symbol" panose="05050102010706020507" pitchFamily="18" charset="2"/>
+              <a:buChar char="-"/>
+            </a:pPr>
+            <a:r>
+              <a:rPr lang="de-DE" dirty="0"/>
+              <a:t>Uhrzeit der Messung</a:t>
+            </a:r>
+          </a:p>
+        </p:txBody>
+      </p:sp>
     </p:spTree>
     <p:extLst>
       <p:ext uri="{BB962C8B-B14F-4D97-AF65-F5344CB8AC3E}">
-        <p14:creationId xmlns:p14="http://schemas.microsoft.com/office/powerpoint/2010/main" val="3057999799"/>
+        <p14:creationId xmlns:p14="http://schemas.microsoft.com/office/powerpoint/2010/main" val="1256351431"/>
       </p:ext>
     </p:extLst>
   </p:cSld>
@@ -3756,10 +4098,7 @@
           <a:bodyPr/>
           <a:lstStyle/>
           <a:p>
-            <a:r>
-              <a:rPr lang="de-DE" dirty="0"/>
-              <a:t>Unsere Variablen</a:t>
-            </a:r>
+            <a:endParaRPr lang="de-DE" dirty="0"/>
           </a:p>
         </p:txBody>
       </p:sp>
@@ -3788,100 +4127,25 @@
               <a:buFont typeface="Symbol" panose="05050102010706020507" pitchFamily="18" charset="2"/>
               <a:buChar char="-"/>
             </a:pPr>
-            <a:r>
-              <a:rPr lang="de-DE" dirty="0"/>
-              <a:t>Datum</a:t>
-            </a:r>
-          </a:p>
-          <a:p>
-            <a:pPr marL="285750" indent="-285750">
-              <a:buFont typeface="Symbol" panose="05050102010706020507" pitchFamily="18" charset="2"/>
-              <a:buChar char="-"/>
-            </a:pPr>
-            <a:r>
-              <a:rPr lang="de-DE" dirty="0"/>
-              <a:t>Tag der Woche</a:t>
-            </a:r>
-          </a:p>
-          <a:p>
-            <a:pPr marL="285750" indent="-285750">
-              <a:buFont typeface="Symbol" panose="05050102010706020507" pitchFamily="18" charset="2"/>
-              <a:buChar char="-"/>
-            </a:pPr>
-            <a:r>
-              <a:rPr lang="de-DE" dirty="0"/>
-              <a:t>Feiertag?</a:t>
-            </a:r>
-          </a:p>
-          <a:p>
-            <a:pPr marL="285750" indent="-285750">
-              <a:buFont typeface="Symbol" panose="05050102010706020507" pitchFamily="18" charset="2"/>
-              <a:buChar char="-"/>
-            </a:pPr>
-            <a:r>
-              <a:rPr lang="de-DE" dirty="0"/>
-              <a:t>Schneehöhe (in cm)</a:t>
-            </a:r>
-          </a:p>
-          <a:p>
-            <a:pPr marL="285750" indent="-285750">
-              <a:buFont typeface="Symbol" panose="05050102010706020507" pitchFamily="18" charset="2"/>
-              <a:buChar char="-"/>
-            </a:pPr>
-            <a:r>
-              <a:rPr lang="de-DE" dirty="0"/>
-              <a:t>Temperatur (in °C)</a:t>
-            </a:r>
-          </a:p>
-          <a:p>
-            <a:pPr marL="285750" indent="-285750">
-              <a:buFont typeface="Symbol" panose="05050102010706020507" pitchFamily="18" charset="2"/>
-              <a:buChar char="-"/>
-            </a:pPr>
-            <a:r>
-              <a:rPr lang="de-DE" dirty="0"/>
-              <a:t>Sonneneinstrahlung (in W/m²)</a:t>
-            </a:r>
-          </a:p>
-          <a:p>
-            <a:pPr marL="285750" indent="-285750">
-              <a:buFont typeface="Symbol" panose="05050102010706020507" pitchFamily="18" charset="2"/>
-              <a:buChar char="-"/>
-            </a:pPr>
-            <a:r>
-              <a:rPr lang="de-DE" dirty="0"/>
-              <a:t>Lawinenwarnstufe</a:t>
-            </a:r>
-          </a:p>
-          <a:p>
-            <a:pPr marL="285750" indent="-285750">
-              <a:buFont typeface="Symbol" panose="05050102010706020507" pitchFamily="18" charset="2"/>
-              <a:buChar char="-"/>
-            </a:pPr>
-            <a:r>
-              <a:rPr lang="de-DE" dirty="0"/>
-              <a:t>Uhrzeit der Messung</a:t>
-            </a:r>
+            <a:endParaRPr lang="de-DE" dirty="0"/>
           </a:p>
         </p:txBody>
       </p:sp>
       <p:pic>
         <p:nvPicPr>
-          <p:cNvPr id="10" name="Bildplatzhalter 9" descr="Ein Bild, das Text, Karte, schwarz, Tisch enthält.&#10;&#10;Automatisch generierte Beschreibung">
-            <a:extLst>
-              <a:ext uri="{FF2B5EF4-FFF2-40B4-BE49-F238E27FC236}">
-                <a16:creationId xmlns:a16="http://schemas.microsoft.com/office/drawing/2014/main" id="{7FF8B75B-604E-4B56-8DE5-A333DC07D972}"/>
+          <p:cNvPr id="5" name="Grafik 4" descr="Ein Bild, das Bleistift, Tisch, verschieden enthält.&#10;&#10;Automatisch generierte Beschreibung">
+            <a:extLst>
+              <a:ext uri="{FF2B5EF4-FFF2-40B4-BE49-F238E27FC236}">
+                <a16:creationId xmlns:a16="http://schemas.microsoft.com/office/drawing/2014/main" id="{0E229B32-9FAC-48A3-8BD2-70709AE20002}"/>
               </a:ext>
             </a:extLst>
           </p:cNvPr>
           <p:cNvPicPr>
-            <a:picLocks noGrp="1" noChangeAspect="1"/>
+            <a:picLocks noChangeAspect="1"/>
           </p:cNvPicPr>
-          <p:nvPr>
-            <p:ph type="pic" idx="1"/>
-          </p:nvPr>
+          <p:nvPr/>
         </p:nvPicPr>
-        <p:blipFill rotWithShape="1">
+        <p:blipFill>
           <a:blip r:embed="rId2">
             <a:extLst>
               <a:ext uri="{28A0092B-C50C-407E-A947-70E740481C1C}">
@@ -3889,20 +4153,24 @@
               </a:ext>
             </a:extLst>
           </a:blip>
-          <a:srcRect l="286" t="-33" r="-1471" b="33"/>
-          <a:stretch/>
+          <a:stretch>
+            <a:fillRect/>
+          </a:stretch>
         </p:blipFill>
         <p:spPr>
           <a:xfrm>
-            <a:off x="4324984" y="1323340"/>
-            <a:ext cx="7027228" cy="3689433"/>
+            <a:off x="766018" y="266258"/>
+            <a:ext cx="10659963" cy="6325483"/>
           </a:xfrm>
+          <a:prstGeom prst="rect">
+            <a:avLst/>
+          </a:prstGeom>
         </p:spPr>
       </p:pic>
     </p:spTree>
     <p:extLst>
       <p:ext uri="{BB962C8B-B14F-4D97-AF65-F5344CB8AC3E}">
-        <p14:creationId xmlns:p14="http://schemas.microsoft.com/office/powerpoint/2010/main" val="3597752202"/>
+        <p14:creationId xmlns:p14="http://schemas.microsoft.com/office/powerpoint/2010/main" val="3057999799"/>
       </p:ext>
     </p:extLst>
   </p:cSld>
@@ -3929,153 +4197,21 @@
           <a:chExt cx="0" cy="0"/>
         </a:xfrm>
       </p:grpSpPr>
-      <p:sp>
-        <p:nvSpPr>
-          <p:cNvPr id="2" name="Titel 1">
-            <a:extLst>
-              <a:ext uri="{FF2B5EF4-FFF2-40B4-BE49-F238E27FC236}">
-                <a16:creationId xmlns:a16="http://schemas.microsoft.com/office/drawing/2014/main" id="{6F0670A5-1E7E-4E2C-A794-6647555BF537}"/>
-              </a:ext>
-            </a:extLst>
-          </p:cNvPr>
-          <p:cNvSpPr>
-            <a:spLocks noGrp="1"/>
-          </p:cNvSpPr>
-          <p:nvPr>
-            <p:ph type="title"/>
-          </p:nvPr>
-        </p:nvSpPr>
-        <p:spPr/>
-        <p:txBody>
-          <a:bodyPr/>
-          <a:lstStyle/>
-          <a:p>
-            <a:r>
-              <a:rPr lang="de-DE" dirty="0"/>
-              <a:t>Unsere Variablen</a:t>
-            </a:r>
-          </a:p>
-        </p:txBody>
-      </p:sp>
-      <p:sp>
-        <p:nvSpPr>
-          <p:cNvPr id="4" name="Textplatzhalter 3">
-            <a:extLst>
-              <a:ext uri="{FF2B5EF4-FFF2-40B4-BE49-F238E27FC236}">
-                <a16:creationId xmlns:a16="http://schemas.microsoft.com/office/drawing/2014/main" id="{98C32461-39FA-423C-B9A6-2003E74B40A2}"/>
-              </a:ext>
-            </a:extLst>
-          </p:cNvPr>
-          <p:cNvSpPr>
-            <a:spLocks noGrp="1"/>
-          </p:cNvSpPr>
-          <p:nvPr>
-            <p:ph type="body" sz="half" idx="2"/>
-          </p:nvPr>
-        </p:nvSpPr>
-        <p:spPr/>
-        <p:txBody>
-          <a:bodyPr/>
-          <a:lstStyle/>
-          <a:p>
-            <a:pPr marL="285750" indent="-285750">
-              <a:buFont typeface="Symbol" panose="05050102010706020507" pitchFamily="18" charset="2"/>
-              <a:buChar char="-"/>
-            </a:pPr>
-            <a:r>
-              <a:rPr lang="de-DE" dirty="0"/>
-              <a:t>Datum</a:t>
-            </a:r>
-          </a:p>
-          <a:p>
-            <a:pPr marL="285750" indent="-285750">
-              <a:buFont typeface="Symbol" panose="05050102010706020507" pitchFamily="18" charset="2"/>
-              <a:buChar char="-"/>
-            </a:pPr>
-            <a:r>
-              <a:rPr lang="de-DE" dirty="0"/>
-              <a:t>Tag der Woche</a:t>
-            </a:r>
-          </a:p>
-          <a:p>
-            <a:pPr marL="285750" indent="-285750">
-              <a:buFont typeface="Symbol" panose="05050102010706020507" pitchFamily="18" charset="2"/>
-              <a:buChar char="-"/>
-            </a:pPr>
-            <a:r>
-              <a:rPr lang="de-DE" dirty="0"/>
-              <a:t>Feiertag?</a:t>
-            </a:r>
-          </a:p>
-          <a:p>
-            <a:pPr marL="285750" indent="-285750">
-              <a:buFont typeface="Symbol" panose="05050102010706020507" pitchFamily="18" charset="2"/>
-              <a:buChar char="-"/>
-            </a:pPr>
-            <a:r>
-              <a:rPr lang="de-DE" dirty="0"/>
-              <a:t>Schneehöhe (in cm)</a:t>
-            </a:r>
-          </a:p>
-          <a:p>
-            <a:pPr marL="285750" indent="-285750">
-              <a:buFont typeface="Symbol" panose="05050102010706020507" pitchFamily="18" charset="2"/>
-              <a:buChar char="-"/>
-            </a:pPr>
-            <a:r>
-              <a:rPr lang="de-DE" dirty="0"/>
-              <a:t>Temperatur (in °C)</a:t>
-            </a:r>
-          </a:p>
-          <a:p>
-            <a:pPr marL="285750" indent="-285750">
-              <a:buFont typeface="Symbol" panose="05050102010706020507" pitchFamily="18" charset="2"/>
-              <a:buChar char="-"/>
-            </a:pPr>
-            <a:r>
-              <a:rPr lang="de-DE" dirty="0"/>
-              <a:t>Sonneneinstrahlung (in W/m²)</a:t>
-            </a:r>
-          </a:p>
-          <a:p>
-            <a:pPr marL="285750" indent="-285750">
-              <a:buFont typeface="Symbol" panose="05050102010706020507" pitchFamily="18" charset="2"/>
-              <a:buChar char="-"/>
-            </a:pPr>
-            <a:r>
-              <a:rPr lang="de-DE" dirty="0"/>
-              <a:t>Lawinenwarnstufe</a:t>
-            </a:r>
-          </a:p>
-          <a:p>
-            <a:pPr marL="285750" indent="-285750">
-              <a:buFont typeface="Symbol" panose="05050102010706020507" pitchFamily="18" charset="2"/>
-              <a:buChar char="-"/>
-            </a:pPr>
-            <a:r>
-              <a:rPr lang="de-DE" dirty="0"/>
-              <a:t>Uhrzeit der Messung</a:t>
-            </a:r>
-          </a:p>
-        </p:txBody>
-      </p:sp>
       <p:pic>
         <p:nvPicPr>
-          <p:cNvPr id="7" name="Bildplatzhalter 6">
-            <a:extLst>
-              <a:ext uri="{FF2B5EF4-FFF2-40B4-BE49-F238E27FC236}">
-                <a16:creationId xmlns:a16="http://schemas.microsoft.com/office/drawing/2014/main" id="{22899ABC-9D63-47F8-B098-7D31BD6552CC}"/>
+          <p:cNvPr id="6" name="Grafik 5" descr="Ein Bild, das Text, Karte enthält.&#10;&#10;Automatisch generierte Beschreibung">
+            <a:extLst>
+              <a:ext uri="{FF2B5EF4-FFF2-40B4-BE49-F238E27FC236}">
+                <a16:creationId xmlns:a16="http://schemas.microsoft.com/office/drawing/2014/main" id="{020D799F-FDEC-4708-924B-187657405B02}"/>
               </a:ext>
             </a:extLst>
           </p:cNvPr>
           <p:cNvPicPr>
-            <a:picLocks noGrp="1" noChangeAspect="1"/>
+            <a:picLocks noChangeAspect="1"/>
           </p:cNvPicPr>
-          <p:nvPr>
-            <p:ph type="pic" idx="1"/>
-          </p:nvPr>
+          <p:nvPr/>
         </p:nvPicPr>
-        <p:blipFill rotWithShape="1">
+        <p:blipFill>
           <a:blip r:embed="rId2">
             <a:extLst>
               <a:ext uri="{28A0092B-C50C-407E-A947-70E740481C1C}">
@@ -4083,20 +4219,24 @@
               </a:ext>
             </a:extLst>
           </a:blip>
-          <a:srcRect l="284" t="-33" r="1409" b="33"/>
-          <a:stretch/>
+          <a:stretch>
+            <a:fillRect/>
+          </a:stretch>
         </p:blipFill>
         <p:spPr>
           <a:xfrm>
-            <a:off x="4494942" y="1479232"/>
-            <a:ext cx="7216045" cy="3899535"/>
+            <a:off x="766018" y="266258"/>
+            <a:ext cx="10659963" cy="6325483"/>
           </a:xfrm>
+          <a:prstGeom prst="rect">
+            <a:avLst/>
+          </a:prstGeom>
         </p:spPr>
       </p:pic>
     </p:spTree>
     <p:extLst>
       <p:ext uri="{BB962C8B-B14F-4D97-AF65-F5344CB8AC3E}">
-        <p14:creationId xmlns:p14="http://schemas.microsoft.com/office/powerpoint/2010/main" val="887324719"/>
+        <p14:creationId xmlns:p14="http://schemas.microsoft.com/office/powerpoint/2010/main" val="138672569"/>
       </p:ext>
     </p:extLst>
   </p:cSld>
@@ -4123,72 +4263,178 @@
           <a:chExt cx="0" cy="0"/>
         </a:xfrm>
       </p:grpSpPr>
-      <p:sp>
-        <p:nvSpPr>
-          <p:cNvPr id="2" name="Titel 1">
-            <a:extLst>
-              <a:ext uri="{FF2B5EF4-FFF2-40B4-BE49-F238E27FC236}">
-                <a16:creationId xmlns:a16="http://schemas.microsoft.com/office/drawing/2014/main" id="{447F292F-6864-4724-9BD6-52F08305EFBD}"/>
-              </a:ext>
-            </a:extLst>
-          </p:cNvPr>
-          <p:cNvSpPr>
-            <a:spLocks noGrp="1"/>
-          </p:cNvSpPr>
-          <p:nvPr>
-            <p:ph type="title"/>
-          </p:nvPr>
-        </p:nvSpPr>
-        <p:spPr/>
-        <p:txBody>
-          <a:bodyPr/>
-          <a:lstStyle/>
-          <a:p>
-            <a:r>
-              <a:rPr lang="de-DE" dirty="0" err="1"/>
-              <a:t>Umcodierung</a:t>
-            </a:r>
-            <a:endParaRPr lang="de-DE" dirty="0"/>
-          </a:p>
-        </p:txBody>
-      </p:sp>
-      <p:sp>
-        <p:nvSpPr>
-          <p:cNvPr id="3" name="Inhaltsplatzhalter 2">
-            <a:extLst>
-              <a:ext uri="{FF2B5EF4-FFF2-40B4-BE49-F238E27FC236}">
-                <a16:creationId xmlns:a16="http://schemas.microsoft.com/office/drawing/2014/main" id="{1AF51C1F-2781-4F3F-8398-B47AE45AE016}"/>
-              </a:ext>
-            </a:extLst>
-          </p:cNvPr>
-          <p:cNvSpPr>
-            <a:spLocks noGrp="1"/>
-          </p:cNvSpPr>
-          <p:nvPr>
-            <p:ph idx="1"/>
-          </p:nvPr>
-        </p:nvSpPr>
-        <p:spPr/>
-        <p:txBody>
-          <a:bodyPr/>
-          <a:lstStyle/>
-          <a:p>
-            <a:r>
-              <a:rPr lang="de-DE" dirty="0"/>
-              <a:t>Falls ich das mache </a:t>
-            </a:r>
-            <a:r>
-              <a:rPr lang="de-DE"/>
-              <a:t>dann hier</a:t>
-            </a:r>
-            <a:endParaRPr lang="de-DE" dirty="0"/>
-          </a:p>
-        </p:txBody>
-      </p:sp>
+      <p:pic>
+        <p:nvPicPr>
+          <p:cNvPr id="16" name="Grafik 15" descr="Ein Bild, das Tisch, weiß, geparkt, Gruppe enthält.&#10;&#10;Automatisch generierte Beschreibung">
+            <a:extLst>
+              <a:ext uri="{FF2B5EF4-FFF2-40B4-BE49-F238E27FC236}">
+                <a16:creationId xmlns:a16="http://schemas.microsoft.com/office/drawing/2014/main" id="{F04BD14C-1AD1-4E62-A791-5D0F3FF3BB09}"/>
+              </a:ext>
+            </a:extLst>
+          </p:cNvPr>
+          <p:cNvPicPr>
+            <a:picLocks noChangeAspect="1"/>
+          </p:cNvPicPr>
+          <p:nvPr/>
+        </p:nvPicPr>
+        <p:blipFill>
+          <a:blip r:embed="rId2">
+            <a:extLst>
+              <a:ext uri="{28A0092B-C50C-407E-A947-70E740481C1C}">
+                <a14:useLocalDpi xmlns:a14="http://schemas.microsoft.com/office/drawing/2010/main" val="0"/>
+              </a:ext>
+            </a:extLst>
+          </a:blip>
+          <a:stretch>
+            <a:fillRect/>
+          </a:stretch>
+        </p:blipFill>
+        <p:spPr>
+          <a:xfrm>
+            <a:off x="766018" y="266258"/>
+            <a:ext cx="10659963" cy="6325483"/>
+          </a:xfrm>
+          <a:prstGeom prst="rect">
+            <a:avLst/>
+          </a:prstGeom>
+        </p:spPr>
+      </p:pic>
     </p:spTree>
     <p:extLst>
       <p:ext uri="{BB962C8B-B14F-4D97-AF65-F5344CB8AC3E}">
-        <p14:creationId xmlns:p14="http://schemas.microsoft.com/office/powerpoint/2010/main" val="1863664013"/>
+        <p14:creationId xmlns:p14="http://schemas.microsoft.com/office/powerpoint/2010/main" val="3597752202"/>
+      </p:ext>
+    </p:extLst>
+  </p:cSld>
+  <p:clrMapOvr>
+    <a:masterClrMapping/>
+  </p:clrMapOvr>
+</p:sld>
+</file>
+
+<file path=ppt/slides/slide7.xml><?xml version="1.0" encoding="utf-8"?>
+<p:sld xmlns:a="http://schemas.openxmlformats.org/drawingml/2006/main" xmlns:r="http://schemas.openxmlformats.org/officeDocument/2006/relationships" xmlns:p="http://schemas.openxmlformats.org/presentationml/2006/main">
+  <p:cSld>
+    <p:spTree>
+      <p:nvGrpSpPr>
+        <p:cNvPr id="1" name=""/>
+        <p:cNvGrpSpPr/>
+        <p:nvPr/>
+      </p:nvGrpSpPr>
+      <p:grpSpPr>
+        <a:xfrm>
+          <a:off x="0" y="0"/>
+          <a:ext cx="0" cy="0"/>
+          <a:chOff x="0" y="0"/>
+          <a:chExt cx="0" cy="0"/>
+        </a:xfrm>
+      </p:grpSpPr>
+      <p:pic>
+        <p:nvPicPr>
+          <p:cNvPr id="12" name="Grafik 11">
+            <a:extLst>
+              <a:ext uri="{FF2B5EF4-FFF2-40B4-BE49-F238E27FC236}">
+                <a16:creationId xmlns:a16="http://schemas.microsoft.com/office/drawing/2014/main" id="{27E68DC5-C917-4AD2-871B-A0A7F247C61F}"/>
+              </a:ext>
+            </a:extLst>
+          </p:cNvPr>
+          <p:cNvPicPr>
+            <a:picLocks noChangeAspect="1"/>
+          </p:cNvPicPr>
+          <p:nvPr/>
+        </p:nvPicPr>
+        <p:blipFill>
+          <a:blip r:embed="rId2">
+            <a:extLst>
+              <a:ext uri="{28A0092B-C50C-407E-A947-70E740481C1C}">
+                <a14:useLocalDpi xmlns:a14="http://schemas.microsoft.com/office/drawing/2010/main" val="0"/>
+              </a:ext>
+            </a:extLst>
+          </a:blip>
+          <a:stretch>
+            <a:fillRect/>
+          </a:stretch>
+        </p:blipFill>
+        <p:spPr>
+          <a:xfrm>
+            <a:off x="766018" y="266258"/>
+            <a:ext cx="10659963" cy="6325483"/>
+          </a:xfrm>
+          <a:prstGeom prst="rect">
+            <a:avLst/>
+          </a:prstGeom>
+        </p:spPr>
+      </p:pic>
+    </p:spTree>
+    <p:extLst>
+      <p:ext uri="{BB962C8B-B14F-4D97-AF65-F5344CB8AC3E}">
+        <p14:creationId xmlns:p14="http://schemas.microsoft.com/office/powerpoint/2010/main" val="887324719"/>
+      </p:ext>
+    </p:extLst>
+  </p:cSld>
+  <p:clrMapOvr>
+    <a:masterClrMapping/>
+  </p:clrMapOvr>
+</p:sld>
+</file>
+
+<file path=ppt/slides/slide8.xml><?xml version="1.0" encoding="utf-8"?>
+<p:sld xmlns:a="http://schemas.openxmlformats.org/drawingml/2006/main" xmlns:r="http://schemas.openxmlformats.org/officeDocument/2006/relationships" xmlns:p="http://schemas.openxmlformats.org/presentationml/2006/main">
+  <p:cSld>
+    <p:spTree>
+      <p:nvGrpSpPr>
+        <p:cNvPr id="1" name=""/>
+        <p:cNvGrpSpPr/>
+        <p:nvPr/>
+      </p:nvGrpSpPr>
+      <p:grpSpPr>
+        <a:xfrm>
+          <a:off x="0" y="0"/>
+          <a:ext cx="0" cy="0"/>
+          <a:chOff x="0" y="0"/>
+          <a:chExt cx="0" cy="0"/>
+        </a:xfrm>
+      </p:grpSpPr>
+      <p:pic>
+        <p:nvPicPr>
+          <p:cNvPr id="7" name="Grafik 6">
+            <a:extLst>
+              <a:ext uri="{FF2B5EF4-FFF2-40B4-BE49-F238E27FC236}">
+                <a16:creationId xmlns:a16="http://schemas.microsoft.com/office/drawing/2014/main" id="{204EBCBF-93D1-406E-B11C-6E0AD59116BC}"/>
+              </a:ext>
+            </a:extLst>
+          </p:cNvPr>
+          <p:cNvPicPr>
+            <a:picLocks noChangeAspect="1"/>
+          </p:cNvPicPr>
+          <p:nvPr/>
+        </p:nvPicPr>
+        <p:blipFill>
+          <a:blip r:embed="rId2">
+            <a:extLst>
+              <a:ext uri="{28A0092B-C50C-407E-A947-70E740481C1C}">
+                <a14:useLocalDpi xmlns:a14="http://schemas.microsoft.com/office/drawing/2010/main" val="0"/>
+              </a:ext>
+            </a:extLst>
+          </a:blip>
+          <a:stretch>
+            <a:fillRect/>
+          </a:stretch>
+        </p:blipFill>
+        <p:spPr>
+          <a:xfrm>
+            <a:off x="766018" y="266258"/>
+            <a:ext cx="10659963" cy="6325483"/>
+          </a:xfrm>
+          <a:prstGeom prst="rect">
+            <a:avLst/>
+          </a:prstGeom>
+        </p:spPr>
+      </p:pic>
+    </p:spTree>
+    <p:extLst>
+      <p:ext uri="{BB962C8B-B14F-4D97-AF65-F5344CB8AC3E}">
+        <p14:creationId xmlns:p14="http://schemas.microsoft.com/office/powerpoint/2010/main" val="2806288448"/>
       </p:ext>
     </p:extLst>
   </p:cSld>
